--- a/valeo_assessment.pptx
+++ b/valeo_assessment.pptx
@@ -3442,7 +3442,7 @@
         </p:nvSpPr>
         <p:spPr>
           <a:xfrm>
-            <a:off x="1230406" y="2214382"/>
+            <a:off x="1371600" y="331794"/>
             <a:ext cx="7212600" cy="1159800"/>
           </a:xfrm>
           <a:prstGeom prst="rect">
@@ -4685,7 +4685,7 @@
                 <a:cs typeface="Cousine"/>
                 <a:sym typeface="Cousine"/>
               </a:rPr>
-              <a:t>FV …</a:t>
+              <a:t>FV, MVL, MVR and RV</a:t>
             </a:r>
           </a:p>
           <a:p>
@@ -5198,8 +5198,8 @@
         </p:nvSpPr>
         <p:spPr>
           <a:xfrm>
-            <a:off x="293557" y="207399"/>
-            <a:ext cx="8229600" cy="413400"/>
+            <a:off x="293557" y="174418"/>
+            <a:ext cx="4114800" cy="413400"/>
           </a:xfrm>
         </p:spPr>
         <p:txBody>
@@ -5283,7 +5283,7 @@
         </p:blipFill>
         <p:spPr>
           <a:xfrm>
-            <a:off x="4408357" y="675533"/>
+            <a:off x="4489039" y="541062"/>
             <a:ext cx="3974466" cy="1462304"/>
           </a:xfrm>
           <a:prstGeom prst="rect">
@@ -5313,7 +5313,7 @@
         </p:blipFill>
         <p:spPr>
           <a:xfrm>
-            <a:off x="359931" y="1783854"/>
+            <a:off x="317055" y="1097125"/>
             <a:ext cx="3987123" cy="1474625"/>
           </a:xfrm>
           <a:prstGeom prst="rect">
@@ -5343,8 +5343,82 @@
         </p:blipFill>
         <p:spPr>
           <a:xfrm>
-            <a:off x="4408358" y="2617572"/>
+            <a:off x="4408357" y="2268351"/>
             <a:ext cx="3974466" cy="1474625"/>
+          </a:xfrm>
+          <a:prstGeom prst="rect">
+            <a:avLst/>
+          </a:prstGeom>
+        </p:spPr>
+      </p:pic>
+      <p:cxnSp>
+        <p:nvCxnSpPr>
+          <p:cNvPr id="15" name="Conector: angular 14">
+            <a:extLst>
+              <a:ext uri="{FF2B5EF4-FFF2-40B4-BE49-F238E27FC236}">
+                <a16:creationId xmlns:a16="http://schemas.microsoft.com/office/drawing/2014/main" id="{63343734-3309-7AD8-A21F-E61713BB4BCF}"/>
+              </a:ext>
+            </a:extLst>
+          </p:cNvPr>
+          <p:cNvCxnSpPr>
+            <a:cxnSpLocks/>
+            <a:stCxn id="10" idx="1"/>
+          </p:cNvCxnSpPr>
+          <p:nvPr/>
+        </p:nvCxnSpPr>
+        <p:spPr>
+          <a:xfrm rot="10800000" flipV="1">
+            <a:off x="2037229" y="3005663"/>
+            <a:ext cx="2371128" cy="584701"/>
+          </a:xfrm>
+          <a:prstGeom prst="bentConnector3">
+            <a:avLst>
+              <a:gd name="adj1" fmla="val 100190"/>
+            </a:avLst>
+          </a:prstGeom>
+          <a:ln>
+            <a:tailEnd type="triangle"/>
+          </a:ln>
+        </p:spPr>
+        <p:style>
+          <a:lnRef idx="1">
+            <a:schemeClr val="dk1"/>
+          </a:lnRef>
+          <a:fillRef idx="0">
+            <a:schemeClr val="dk1"/>
+          </a:fillRef>
+          <a:effectRef idx="0">
+            <a:schemeClr val="dk1"/>
+          </a:effectRef>
+          <a:fontRef idx="minor">
+            <a:schemeClr val="tx1"/>
+          </a:fontRef>
+        </p:style>
+      </p:cxnSp>
+      <p:pic>
+        <p:nvPicPr>
+          <p:cNvPr id="23" name="Imagen 22">
+            <a:extLst>
+              <a:ext uri="{FF2B5EF4-FFF2-40B4-BE49-F238E27FC236}">
+                <a16:creationId xmlns:a16="http://schemas.microsoft.com/office/drawing/2014/main" id="{07CA3B64-96BB-D729-719E-78267FA5FAC9}"/>
+              </a:ext>
+            </a:extLst>
+          </p:cNvPr>
+          <p:cNvPicPr>
+            <a:picLocks noChangeAspect="1"/>
+          </p:cNvPicPr>
+          <p:nvPr/>
+        </p:nvPicPr>
+        <p:blipFill>
+          <a:blip r:embed="rId5"/>
+          <a:stretch>
+            <a:fillRect/>
+          </a:stretch>
+        </p:blipFill>
+        <p:spPr>
+          <a:xfrm>
+            <a:off x="159743" y="3590365"/>
+            <a:ext cx="3899837" cy="1445234"/>
           </a:xfrm>
           <a:prstGeom prst="rect">
             <a:avLst/>
@@ -5516,9 +5590,99 @@
             </a:r>
             <a:r>
               <a:rPr lang="es-ES" sz="1100" dirty="0" err="1"/>
+              <a:t>first</a:t>
+            </a:r>
+            <a:r>
+              <a:rPr lang="es-ES" sz="1100" dirty="0"/>
+              <a:t> </a:t>
+            </a:r>
+            <a:r>
+              <a:rPr lang="es-ES" sz="1100" dirty="0" err="1"/>
               <a:t>images</a:t>
             </a:r>
-            <a:endParaRPr lang="es-ES" sz="1100" dirty="0"/>
+            <a:r>
+              <a:rPr lang="es-ES" sz="1100" dirty="0"/>
+              <a:t> </a:t>
+            </a:r>
+            <a:r>
+              <a:rPr lang="es-ES" sz="1100" dirty="0" err="1"/>
+              <a:t>filtered</a:t>
+            </a:r>
+            <a:r>
+              <a:rPr lang="es-ES" sz="1100" dirty="0"/>
+              <a:t> </a:t>
+            </a:r>
+            <a:r>
+              <a:rPr lang="es-ES" sz="1100" dirty="0" err="1"/>
+              <a:t>by</a:t>
+            </a:r>
+            <a:r>
+              <a:rPr lang="es-ES" sz="1100" dirty="0"/>
+              <a:t> </a:t>
+            </a:r>
+            <a:r>
+              <a:rPr lang="es-ES" sz="1100" dirty="0" err="1"/>
+              <a:t>type</a:t>
+            </a:r>
+            <a:r>
+              <a:rPr lang="es-ES" sz="1100" dirty="0"/>
+              <a:t> </a:t>
+            </a:r>
+            <a:r>
+              <a:rPr lang="es-ES" sz="1100" dirty="0" err="1"/>
+              <a:t>of</a:t>
+            </a:r>
+            <a:r>
+              <a:rPr lang="es-ES" sz="1100" dirty="0"/>
+              <a:t> </a:t>
+            </a:r>
+            <a:r>
+              <a:rPr lang="es-ES" sz="1100" dirty="0" err="1"/>
+              <a:t>image</a:t>
+            </a:r>
+            <a:r>
+              <a:rPr lang="es-ES" sz="1100" dirty="0"/>
+              <a:t>:</a:t>
+            </a:r>
+          </a:p>
+          <a:p>
+            <a:pPr lvl="3"/>
+            <a:r>
+              <a:rPr lang="es-ES" sz="1100" dirty="0"/>
+              <a:t>FV (I </a:t>
+            </a:r>
+            <a:r>
+              <a:rPr lang="es-ES" sz="1100" dirty="0" err="1"/>
+              <a:t>tested</a:t>
+            </a:r>
+            <a:r>
+              <a:rPr lang="es-ES" sz="1100" dirty="0"/>
+              <a:t> </a:t>
+            </a:r>
+            <a:r>
+              <a:rPr lang="es-ES" sz="1100" dirty="0" err="1"/>
+              <a:t>with</a:t>
+            </a:r>
+            <a:r>
+              <a:rPr lang="es-ES" sz="1100" dirty="0"/>
+              <a:t> </a:t>
+            </a:r>
+            <a:r>
+              <a:rPr lang="es-ES" sz="1100" dirty="0" err="1"/>
+              <a:t>this</a:t>
+            </a:r>
+            <a:r>
+              <a:rPr lang="es-ES" sz="1100" dirty="0"/>
+              <a:t> </a:t>
+            </a:r>
+            <a:r>
+              <a:rPr lang="es-ES" sz="1100" dirty="0" err="1"/>
+              <a:t>ones</a:t>
+            </a:r>
+            <a:r>
+              <a:rPr lang="es-ES" sz="1100" dirty="0"/>
+              <a:t>)</a:t>
+            </a:r>
           </a:p>
           <a:p>
             <a:pPr lvl="2"/>
@@ -5537,6 +5701,13 @@
             <a:r>
               <a:rPr lang="es-ES" sz="1100" dirty="0"/>
               <a:t>:</a:t>
+            </a:r>
+          </a:p>
+          <a:p>
+            <a:pPr lvl="3"/>
+            <a:r>
+              <a:rPr lang="es-ES" sz="1100" dirty="0"/>
+              <a:t>512x512</a:t>
             </a:r>
           </a:p>
           <a:p>
@@ -7386,7 +7557,7 @@
             </a:r>
             <a:r>
               <a:rPr lang="es-ES" sz="1100" dirty="0"/>
-              <a:t> = 8 (default)</a:t>
+              <a:t> = 2 (default)</a:t>
             </a:r>
           </a:p>
           <a:p>
@@ -7706,6 +7877,218 @@
           </a:prstGeom>
         </p:spPr>
       </p:pic>
+      <p:sp>
+        <p:nvSpPr>
+          <p:cNvPr id="19" name="Flecha: hacia abajo 18">
+            <a:extLst>
+              <a:ext uri="{FF2B5EF4-FFF2-40B4-BE49-F238E27FC236}">
+                <a16:creationId xmlns:a16="http://schemas.microsoft.com/office/drawing/2014/main" id="{51F00694-C9C1-6B85-2B76-A76DB6813CC5}"/>
+              </a:ext>
+            </a:extLst>
+          </p:cNvPr>
+          <p:cNvSpPr/>
+          <p:nvPr/>
+        </p:nvSpPr>
+        <p:spPr>
+          <a:xfrm>
+            <a:off x="4484595" y="1633817"/>
+            <a:ext cx="316006" cy="1748117"/>
+          </a:xfrm>
+          <a:prstGeom prst="downArrow">
+            <a:avLst/>
+          </a:prstGeom>
+        </p:spPr>
+        <p:style>
+          <a:lnRef idx="2">
+            <a:schemeClr val="accent1">
+              <a:shade val="50000"/>
+            </a:schemeClr>
+          </a:lnRef>
+          <a:fillRef idx="1">
+            <a:schemeClr val="accent1"/>
+          </a:fillRef>
+          <a:effectRef idx="0">
+            <a:schemeClr val="accent1"/>
+          </a:effectRef>
+          <a:fontRef idx="minor">
+            <a:schemeClr val="lt1"/>
+          </a:fontRef>
+        </p:style>
+        <p:txBody>
+          <a:bodyPr rtlCol="0" anchor="ctr"/>
+          <a:lstStyle/>
+          <a:p>
+            <a:pPr algn="ctr"/>
+            <a:endParaRPr lang="es-ES"/>
+          </a:p>
+        </p:txBody>
+      </p:sp>
+      <p:sp>
+        <p:nvSpPr>
+          <p:cNvPr id="22" name="Marcador de texto 2">
+            <a:extLst>
+              <a:ext uri="{FF2B5EF4-FFF2-40B4-BE49-F238E27FC236}">
+                <a16:creationId xmlns:a16="http://schemas.microsoft.com/office/drawing/2014/main" id="{556B8107-5D76-E2F7-FAD3-D0BD30B90E61}"/>
+              </a:ext>
+            </a:extLst>
+          </p:cNvPr>
+          <p:cNvSpPr>
+            <a:spLocks noGrp="1"/>
+          </p:cNvSpPr>
+          <p:nvPr>
+            <p:ph type="body" idx="1"/>
+          </p:nvPr>
+        </p:nvSpPr>
+        <p:spPr>
+          <a:xfrm>
+            <a:off x="174812" y="1730965"/>
+            <a:ext cx="4397188" cy="800788"/>
+          </a:xfrm>
+        </p:spPr>
+        <p:txBody>
+          <a:bodyPr/>
+          <a:lstStyle/>
+          <a:p>
+            <a:r>
+              <a:rPr lang="es-ES" sz="1000" dirty="0"/>
+              <a:t>Dice </a:t>
+            </a:r>
+            <a:r>
+              <a:rPr lang="es-ES" sz="1000" dirty="0" err="1"/>
+              <a:t>coeff</a:t>
+            </a:r>
+            <a:r>
+              <a:rPr lang="es-ES" sz="1000" dirty="0"/>
+              <a:t> + </a:t>
+            </a:r>
+            <a:r>
+              <a:rPr lang="es-ES" sz="1000" dirty="0" err="1"/>
+              <a:t>binary_cross_entropy</a:t>
+            </a:r>
+            <a:r>
+              <a:rPr lang="es-ES" sz="1000" dirty="0"/>
+              <a:t> as </a:t>
+            </a:r>
+            <a:r>
+              <a:rPr lang="es-ES" sz="1000" dirty="0" err="1"/>
+              <a:t>loss</a:t>
+            </a:r>
+            <a:r>
+              <a:rPr lang="es-ES" sz="1000" dirty="0"/>
+              <a:t> </a:t>
+            </a:r>
+            <a:r>
+              <a:rPr lang="es-ES" sz="1000" dirty="0" err="1"/>
+              <a:t>function</a:t>
+            </a:r>
+            <a:endParaRPr lang="es-ES" sz="1000" dirty="0"/>
+          </a:p>
+          <a:p>
+            <a:r>
+              <a:rPr lang="es-ES" sz="1000" dirty="0"/>
+              <a:t>More </a:t>
+            </a:r>
+            <a:r>
+              <a:rPr lang="es-ES" sz="1000" dirty="0" err="1"/>
+              <a:t>convolutional</a:t>
+            </a:r>
+            <a:r>
+              <a:rPr lang="es-ES" sz="1000" dirty="0"/>
+              <a:t> blocks</a:t>
+            </a:r>
+          </a:p>
+        </p:txBody>
+      </p:sp>
+      <p:pic>
+        <p:nvPicPr>
+          <p:cNvPr id="28" name="Imagen 27">
+            <a:extLst>
+              <a:ext uri="{FF2B5EF4-FFF2-40B4-BE49-F238E27FC236}">
+                <a16:creationId xmlns:a16="http://schemas.microsoft.com/office/drawing/2014/main" id="{CF044912-371A-CDB5-C80F-712FF47303C9}"/>
+              </a:ext>
+            </a:extLst>
+          </p:cNvPr>
+          <p:cNvPicPr>
+            <a:picLocks noChangeAspect="1"/>
+          </p:cNvPicPr>
+          <p:nvPr/>
+        </p:nvPicPr>
+        <p:blipFill>
+          <a:blip r:embed="rId4"/>
+          <a:stretch>
+            <a:fillRect/>
+          </a:stretch>
+        </p:blipFill>
+        <p:spPr>
+          <a:xfrm>
+            <a:off x="3536858" y="3415643"/>
+            <a:ext cx="4652402" cy="1483056"/>
+          </a:xfrm>
+          <a:prstGeom prst="rect">
+            <a:avLst/>
+          </a:prstGeom>
+        </p:spPr>
+      </p:pic>
+      <p:pic>
+        <p:nvPicPr>
+          <p:cNvPr id="30" name="Imagen 29">
+            <a:extLst>
+              <a:ext uri="{FF2B5EF4-FFF2-40B4-BE49-F238E27FC236}">
+                <a16:creationId xmlns:a16="http://schemas.microsoft.com/office/drawing/2014/main" id="{33D46D30-0373-DF34-20FF-5C81E893BC6E}"/>
+              </a:ext>
+            </a:extLst>
+          </p:cNvPr>
+          <p:cNvPicPr>
+            <a:picLocks noChangeAspect="1"/>
+          </p:cNvPicPr>
+          <p:nvPr/>
+        </p:nvPicPr>
+        <p:blipFill>
+          <a:blip r:embed="rId5"/>
+          <a:stretch>
+            <a:fillRect/>
+          </a:stretch>
+        </p:blipFill>
+        <p:spPr>
+          <a:xfrm>
+            <a:off x="5506571" y="1597307"/>
+            <a:ext cx="2964948" cy="1753376"/>
+          </a:xfrm>
+          <a:prstGeom prst="rect">
+            <a:avLst/>
+          </a:prstGeom>
+        </p:spPr>
+      </p:pic>
+      <p:pic>
+        <p:nvPicPr>
+          <p:cNvPr id="32" name="Imagen 31">
+            <a:extLst>
+              <a:ext uri="{FF2B5EF4-FFF2-40B4-BE49-F238E27FC236}">
+                <a16:creationId xmlns:a16="http://schemas.microsoft.com/office/drawing/2014/main" id="{1382DE3D-18FC-27F4-12F7-D60B65D0DC8C}"/>
+              </a:ext>
+            </a:extLst>
+          </p:cNvPr>
+          <p:cNvPicPr>
+            <a:picLocks noChangeAspect="1"/>
+          </p:cNvPicPr>
+          <p:nvPr/>
+        </p:nvPicPr>
+        <p:blipFill>
+          <a:blip r:embed="rId6"/>
+          <a:stretch>
+            <a:fillRect/>
+          </a:stretch>
+        </p:blipFill>
+        <p:spPr>
+          <a:xfrm>
+            <a:off x="382372" y="2611748"/>
+            <a:ext cx="2820589" cy="2265829"/>
+          </a:xfrm>
+          <a:prstGeom prst="rect">
+            <a:avLst/>
+          </a:prstGeom>
+        </p:spPr>
+      </p:pic>
     </p:spTree>
     <p:extLst>
       <p:ext uri="{BB962C8B-B14F-4D97-AF65-F5344CB8AC3E}">
@@ -7796,14 +8179,493 @@
         </p:blipFill>
         <p:spPr>
           <a:xfrm>
-            <a:off x="882681" y="652182"/>
-            <a:ext cx="2035977" cy="4108473"/>
+            <a:off x="6564388" y="178345"/>
+            <a:ext cx="2284101" cy="4609172"/>
           </a:xfrm>
           <a:prstGeom prst="rect">
             <a:avLst/>
           </a:prstGeom>
         </p:spPr>
       </p:pic>
+      <p:pic>
+        <p:nvPicPr>
+          <p:cNvPr id="8" name="Imagen 7" descr="Diagrama&#10;&#10;Descripción generada automáticamente con confianza media">
+            <a:extLst>
+              <a:ext uri="{FF2B5EF4-FFF2-40B4-BE49-F238E27FC236}">
+                <a16:creationId xmlns:a16="http://schemas.microsoft.com/office/drawing/2014/main" id="{1C8115B4-3794-FEF4-DA16-D5612326A5E1}"/>
+              </a:ext>
+            </a:extLst>
+          </p:cNvPr>
+          <p:cNvPicPr>
+            <a:picLocks noChangeAspect="1"/>
+          </p:cNvPicPr>
+          <p:nvPr/>
+        </p:nvPicPr>
+        <p:blipFill>
+          <a:blip r:embed="rId3"/>
+          <a:stretch>
+            <a:fillRect/>
+          </a:stretch>
+        </p:blipFill>
+        <p:spPr>
+          <a:xfrm>
+            <a:off x="4011723" y="107774"/>
+            <a:ext cx="1092547" cy="5143500"/>
+          </a:xfrm>
+          <a:prstGeom prst="rect">
+            <a:avLst/>
+          </a:prstGeom>
+        </p:spPr>
+      </p:pic>
+      <p:sp>
+        <p:nvSpPr>
+          <p:cNvPr id="9" name="Flecha: hacia abajo 8">
+            <a:extLst>
+              <a:ext uri="{FF2B5EF4-FFF2-40B4-BE49-F238E27FC236}">
+                <a16:creationId xmlns:a16="http://schemas.microsoft.com/office/drawing/2014/main" id="{452134F7-1C35-54EF-1AF2-8780DB334E78}"/>
+              </a:ext>
+            </a:extLst>
+          </p:cNvPr>
+          <p:cNvSpPr/>
+          <p:nvPr/>
+        </p:nvSpPr>
+        <p:spPr>
+          <a:xfrm>
+            <a:off x="5727334" y="3664324"/>
+            <a:ext cx="383241" cy="1269143"/>
+          </a:xfrm>
+          <a:prstGeom prst="downArrow">
+            <a:avLst/>
+          </a:prstGeom>
+        </p:spPr>
+        <p:style>
+          <a:lnRef idx="2">
+            <a:schemeClr val="accent1">
+              <a:shade val="50000"/>
+            </a:schemeClr>
+          </a:lnRef>
+          <a:fillRef idx="1">
+            <a:schemeClr val="accent1"/>
+          </a:fillRef>
+          <a:effectRef idx="0">
+            <a:schemeClr val="accent1"/>
+          </a:effectRef>
+          <a:fontRef idx="minor">
+            <a:schemeClr val="lt1"/>
+          </a:fontRef>
+        </p:style>
+        <p:txBody>
+          <a:bodyPr rtlCol="0" anchor="ctr"/>
+          <a:lstStyle/>
+          <a:p>
+            <a:pPr algn="ctr"/>
+            <a:endParaRPr lang="es-ES"/>
+          </a:p>
+        </p:txBody>
+      </p:sp>
+      <p:sp>
+        <p:nvSpPr>
+          <p:cNvPr id="10" name="Título 1">
+            <a:extLst>
+              <a:ext uri="{FF2B5EF4-FFF2-40B4-BE49-F238E27FC236}">
+                <a16:creationId xmlns:a16="http://schemas.microsoft.com/office/drawing/2014/main" id="{92559B48-C149-7F2A-F9F6-ABD6418740CF}"/>
+              </a:ext>
+            </a:extLst>
+          </p:cNvPr>
+          <p:cNvSpPr>
+            <a:spLocks noGrp="1"/>
+          </p:cNvSpPr>
+          <p:nvPr>
+            <p:ph type="title"/>
+          </p:nvPr>
+        </p:nvSpPr>
+        <p:spPr>
+          <a:xfrm>
+            <a:off x="404330" y="493832"/>
+            <a:ext cx="2601088" cy="413400"/>
+          </a:xfrm>
+        </p:spPr>
+        <p:txBody>
+          <a:bodyPr/>
+          <a:lstStyle/>
+          <a:p>
+            <a:pPr algn="ctr"/>
+            <a:r>
+              <a:rPr lang="es-ES" dirty="0"/>
+              <a:t>Next </a:t>
+            </a:r>
+            <a:r>
+              <a:rPr lang="es-ES" dirty="0" err="1"/>
+              <a:t>clear</a:t>
+            </a:r>
+            <a:r>
+              <a:rPr lang="es-ES" dirty="0"/>
+              <a:t> step</a:t>
+            </a:r>
+          </a:p>
+        </p:txBody>
+      </p:sp>
+      <p:sp>
+        <p:nvSpPr>
+          <p:cNvPr id="11" name="Marcador de texto 2">
+            <a:extLst>
+              <a:ext uri="{FF2B5EF4-FFF2-40B4-BE49-F238E27FC236}">
+                <a16:creationId xmlns:a16="http://schemas.microsoft.com/office/drawing/2014/main" id="{0BA926E0-7681-B930-2FC9-5E3C467073D9}"/>
+              </a:ext>
+            </a:extLst>
+          </p:cNvPr>
+          <p:cNvSpPr txBox="1">
+            <a:spLocks/>
+          </p:cNvSpPr>
+          <p:nvPr/>
+        </p:nvSpPr>
+        <p:spPr>
+          <a:xfrm>
+            <a:off x="67235" y="1158416"/>
+            <a:ext cx="3451069" cy="3407225"/>
+          </a:xfrm>
+          <a:prstGeom prst="rect">
+            <a:avLst/>
+          </a:prstGeom>
+          <a:noFill/>
+          <a:ln>
+            <a:noFill/>
+          </a:ln>
+        </p:spPr>
+        <p:txBody>
+          <a:bodyPr spcFirstLastPara="1" wrap="square" lIns="91425" tIns="91425" rIns="91425" bIns="91425" anchor="t" anchorCtr="0">
+            <a:noAutofit/>
+          </a:bodyPr>
+          <a:lstStyle>
+            <a:defPPr marR="0" lvl="0" algn="l" rtl="0">
+              <a:lnSpc>
+                <a:spcPct val="100000"/>
+              </a:lnSpc>
+              <a:spcBef>
+                <a:spcPts val="0"/>
+              </a:spcBef>
+              <a:spcAft>
+                <a:spcPts val="0"/>
+              </a:spcAft>
+            </a:defPPr>
+            <a:lvl1pPr marL="457200" marR="0" lvl="0" indent="-342900" algn="l" rtl="0">
+              <a:lnSpc>
+                <a:spcPct val="100000"/>
+              </a:lnSpc>
+              <a:spcBef>
+                <a:spcPts val="600"/>
+              </a:spcBef>
+              <a:spcAft>
+                <a:spcPts val="0"/>
+              </a:spcAft>
+              <a:buClr>
+                <a:schemeClr val="lt1"/>
+              </a:buClr>
+              <a:buSzPts val="1800"/>
+              <a:buFont typeface="Cousine"/>
+              <a:buChar char="▪"/>
+              <a:defRPr sz="1800" b="0" i="0" u="none" strike="noStrike" cap="none">
+                <a:solidFill>
+                  <a:schemeClr val="lt1"/>
+                </a:solidFill>
+                <a:latin typeface="Cousine"/>
+                <a:ea typeface="Cousine"/>
+                <a:cs typeface="Cousine"/>
+                <a:sym typeface="Cousine"/>
+              </a:defRPr>
+            </a:lvl1pPr>
+            <a:lvl2pPr marL="914400" marR="0" lvl="1" indent="-342900" algn="l" rtl="0">
+              <a:lnSpc>
+                <a:spcPct val="100000"/>
+              </a:lnSpc>
+              <a:spcBef>
+                <a:spcPts val="0"/>
+              </a:spcBef>
+              <a:spcAft>
+                <a:spcPts val="0"/>
+              </a:spcAft>
+              <a:buClr>
+                <a:schemeClr val="lt1"/>
+              </a:buClr>
+              <a:buSzPts val="1800"/>
+              <a:buFont typeface="Cousine"/>
+              <a:buChar char="▫"/>
+              <a:defRPr sz="1800" b="0" i="0" u="none" strike="noStrike" cap="none">
+                <a:solidFill>
+                  <a:schemeClr val="lt1"/>
+                </a:solidFill>
+                <a:latin typeface="Cousine"/>
+                <a:ea typeface="Cousine"/>
+                <a:cs typeface="Cousine"/>
+                <a:sym typeface="Cousine"/>
+              </a:defRPr>
+            </a:lvl2pPr>
+            <a:lvl3pPr marL="1371600" marR="0" lvl="2" indent="-342900" algn="l" rtl="0">
+              <a:lnSpc>
+                <a:spcPct val="100000"/>
+              </a:lnSpc>
+              <a:spcBef>
+                <a:spcPts val="0"/>
+              </a:spcBef>
+              <a:spcAft>
+                <a:spcPts val="0"/>
+              </a:spcAft>
+              <a:buClr>
+                <a:schemeClr val="lt1"/>
+              </a:buClr>
+              <a:buSzPts val="1800"/>
+              <a:buFont typeface="Cousine"/>
+              <a:buChar char="■"/>
+              <a:defRPr sz="1800" b="0" i="0" u="none" strike="noStrike" cap="none">
+                <a:solidFill>
+                  <a:schemeClr val="lt1"/>
+                </a:solidFill>
+                <a:latin typeface="Cousine"/>
+                <a:ea typeface="Cousine"/>
+                <a:cs typeface="Cousine"/>
+                <a:sym typeface="Cousine"/>
+              </a:defRPr>
+            </a:lvl3pPr>
+            <a:lvl4pPr marL="1828800" marR="0" lvl="3" indent="-342900" algn="l" rtl="0">
+              <a:lnSpc>
+                <a:spcPct val="100000"/>
+              </a:lnSpc>
+              <a:spcBef>
+                <a:spcPts val="0"/>
+              </a:spcBef>
+              <a:spcAft>
+                <a:spcPts val="0"/>
+              </a:spcAft>
+              <a:buClr>
+                <a:schemeClr val="lt1"/>
+              </a:buClr>
+              <a:buSzPts val="1800"/>
+              <a:buFont typeface="Cousine"/>
+              <a:buChar char="●"/>
+              <a:defRPr sz="1800" b="0" i="0" u="none" strike="noStrike" cap="none">
+                <a:solidFill>
+                  <a:schemeClr val="lt1"/>
+                </a:solidFill>
+                <a:latin typeface="Cousine"/>
+                <a:ea typeface="Cousine"/>
+                <a:cs typeface="Cousine"/>
+                <a:sym typeface="Cousine"/>
+              </a:defRPr>
+            </a:lvl4pPr>
+            <a:lvl5pPr marL="2286000" marR="0" lvl="4" indent="-342900" algn="l" rtl="0">
+              <a:lnSpc>
+                <a:spcPct val="100000"/>
+              </a:lnSpc>
+              <a:spcBef>
+                <a:spcPts val="0"/>
+              </a:spcBef>
+              <a:spcAft>
+                <a:spcPts val="0"/>
+              </a:spcAft>
+              <a:buClr>
+                <a:schemeClr val="lt1"/>
+              </a:buClr>
+              <a:buSzPts val="1800"/>
+              <a:buFont typeface="Cousine"/>
+              <a:buChar char="○"/>
+              <a:defRPr sz="1800" b="0" i="0" u="none" strike="noStrike" cap="none">
+                <a:solidFill>
+                  <a:schemeClr val="lt1"/>
+                </a:solidFill>
+                <a:latin typeface="Cousine"/>
+                <a:ea typeface="Cousine"/>
+                <a:cs typeface="Cousine"/>
+                <a:sym typeface="Cousine"/>
+              </a:defRPr>
+            </a:lvl5pPr>
+            <a:lvl6pPr marL="2743200" marR="0" lvl="5" indent="-342900" algn="l" rtl="0">
+              <a:lnSpc>
+                <a:spcPct val="100000"/>
+              </a:lnSpc>
+              <a:spcBef>
+                <a:spcPts val="0"/>
+              </a:spcBef>
+              <a:spcAft>
+                <a:spcPts val="0"/>
+              </a:spcAft>
+              <a:buClr>
+                <a:schemeClr val="lt1"/>
+              </a:buClr>
+              <a:buSzPts val="1800"/>
+              <a:buFont typeface="Cousine"/>
+              <a:buChar char="■"/>
+              <a:defRPr sz="1800" b="0" i="0" u="none" strike="noStrike" cap="none">
+                <a:solidFill>
+                  <a:schemeClr val="lt1"/>
+                </a:solidFill>
+                <a:latin typeface="Cousine"/>
+                <a:ea typeface="Cousine"/>
+                <a:cs typeface="Cousine"/>
+                <a:sym typeface="Cousine"/>
+              </a:defRPr>
+            </a:lvl6pPr>
+            <a:lvl7pPr marL="3200400" marR="0" lvl="6" indent="-342900" algn="l" rtl="0">
+              <a:lnSpc>
+                <a:spcPct val="100000"/>
+              </a:lnSpc>
+              <a:spcBef>
+                <a:spcPts val="0"/>
+              </a:spcBef>
+              <a:spcAft>
+                <a:spcPts val="0"/>
+              </a:spcAft>
+              <a:buClr>
+                <a:schemeClr val="lt1"/>
+              </a:buClr>
+              <a:buSzPts val="1800"/>
+              <a:buFont typeface="Cousine"/>
+              <a:buChar char="●"/>
+              <a:defRPr sz="1800" b="0" i="0" u="none" strike="noStrike" cap="none">
+                <a:solidFill>
+                  <a:schemeClr val="lt1"/>
+                </a:solidFill>
+                <a:latin typeface="Cousine"/>
+                <a:ea typeface="Cousine"/>
+                <a:cs typeface="Cousine"/>
+                <a:sym typeface="Cousine"/>
+              </a:defRPr>
+            </a:lvl7pPr>
+            <a:lvl8pPr marL="3657600" marR="0" lvl="7" indent="-342900" algn="l" rtl="0">
+              <a:lnSpc>
+                <a:spcPct val="100000"/>
+              </a:lnSpc>
+              <a:spcBef>
+                <a:spcPts val="0"/>
+              </a:spcBef>
+              <a:spcAft>
+                <a:spcPts val="0"/>
+              </a:spcAft>
+              <a:buClr>
+                <a:schemeClr val="lt1"/>
+              </a:buClr>
+              <a:buSzPts val="1800"/>
+              <a:buFont typeface="Cousine"/>
+              <a:buChar char="○"/>
+              <a:defRPr sz="1800" b="0" i="0" u="none" strike="noStrike" cap="none">
+                <a:solidFill>
+                  <a:schemeClr val="lt1"/>
+                </a:solidFill>
+                <a:latin typeface="Cousine"/>
+                <a:ea typeface="Cousine"/>
+                <a:cs typeface="Cousine"/>
+                <a:sym typeface="Cousine"/>
+              </a:defRPr>
+            </a:lvl8pPr>
+            <a:lvl9pPr marL="4114800" marR="0" lvl="8" indent="-342900" algn="l" rtl="0">
+              <a:lnSpc>
+                <a:spcPct val="100000"/>
+              </a:lnSpc>
+              <a:spcBef>
+                <a:spcPts val="0"/>
+              </a:spcBef>
+              <a:spcAft>
+                <a:spcPts val="0"/>
+              </a:spcAft>
+              <a:buClr>
+                <a:schemeClr val="lt1"/>
+              </a:buClr>
+              <a:buSzPts val="1800"/>
+              <a:buFont typeface="Cousine"/>
+              <a:buChar char="■"/>
+              <a:defRPr sz="1800" b="0" i="0" u="none" strike="noStrike" cap="none">
+                <a:solidFill>
+                  <a:schemeClr val="lt1"/>
+                </a:solidFill>
+                <a:latin typeface="Cousine"/>
+                <a:ea typeface="Cousine"/>
+                <a:cs typeface="Cousine"/>
+                <a:sym typeface="Cousine"/>
+              </a:defRPr>
+            </a:lvl9pPr>
+          </a:lstStyle>
+          <a:p>
+            <a:r>
+              <a:rPr lang="es-ES" dirty="0" err="1"/>
+              <a:t>Pretrained</a:t>
+            </a:r>
+            <a:r>
+              <a:rPr lang="es-ES" dirty="0"/>
+              <a:t> </a:t>
+            </a:r>
+            <a:r>
+              <a:rPr lang="es-ES" dirty="0" err="1"/>
+              <a:t>model</a:t>
+            </a:r>
+            <a:r>
+              <a:rPr lang="es-ES" dirty="0"/>
+              <a:t>:</a:t>
+            </a:r>
+          </a:p>
+          <a:p>
+            <a:pPr lvl="1"/>
+            <a:r>
+              <a:rPr lang="es-ES" sz="1100" dirty="0">
+                <a:hlinkClick r:id="rId4"/>
+              </a:rPr>
+              <a:t>https://www.kaggle.com/code/reemrashwan/u-net-to-predict-pneumothorax</a:t>
+            </a:r>
+            <a:endParaRPr lang="es-ES" sz="1100" dirty="0"/>
+          </a:p>
+          <a:p>
+            <a:pPr lvl="1"/>
+            <a:r>
+              <a:rPr lang="es-ES" sz="1100" dirty="0">
+                <a:hlinkClick r:id="rId5"/>
+              </a:rPr>
+              <a:t>VGG16(VGG19) - https://www.kaggle.com/code/basu369victor/transferlearning-and-unet-to-segment-rocks-on-moon/notebook</a:t>
+            </a:r>
+            <a:endParaRPr lang="es-ES" sz="1100" dirty="0"/>
+          </a:p>
+          <a:p>
+            <a:pPr lvl="1"/>
+            <a:r>
+              <a:rPr lang="es-ES" sz="1100" dirty="0" err="1"/>
+              <a:t>Unfortunately</a:t>
+            </a:r>
+            <a:r>
+              <a:rPr lang="es-ES" sz="1100" dirty="0"/>
+              <a:t>, </a:t>
+            </a:r>
+            <a:r>
+              <a:rPr lang="es-ES" sz="1100" dirty="0" err="1"/>
+              <a:t>both</a:t>
+            </a:r>
+            <a:r>
+              <a:rPr lang="es-ES" sz="1100" dirty="0"/>
+              <a:t> in pure </a:t>
+            </a:r>
+            <a:r>
+              <a:rPr lang="es-ES" sz="1100" dirty="0" err="1"/>
+              <a:t>keras</a:t>
+            </a:r>
+            <a:r>
+              <a:rPr lang="es-ES" sz="1100" dirty="0"/>
+              <a:t> and </a:t>
+            </a:r>
+            <a:r>
+              <a:rPr lang="es-ES" sz="1100" dirty="0" err="1"/>
+              <a:t>not</a:t>
+            </a:r>
+            <a:r>
+              <a:rPr lang="es-ES" sz="1100" dirty="0"/>
+              <a:t> in </a:t>
+            </a:r>
+            <a:r>
+              <a:rPr lang="es-ES" sz="1100" dirty="0" err="1"/>
+              <a:t>tensorflow</a:t>
+            </a:r>
+            <a:r>
+              <a:rPr lang="es-ES" sz="1100" dirty="0"/>
+              <a:t> 2.0</a:t>
+            </a:r>
+          </a:p>
+        </p:txBody>
+      </p:sp>
     </p:spTree>
     <p:extLst>
       <p:ext uri="{BB962C8B-B14F-4D97-AF65-F5344CB8AC3E}">
@@ -7883,12 +8745,128 @@
         <p:spPr>
           <a:xfrm>
             <a:off x="242047" y="1239803"/>
-            <a:ext cx="8483834" cy="669679"/>
+            <a:ext cx="8483834" cy="1489950"/>
           </a:xfrm>
         </p:spPr>
         <p:txBody>
           <a:bodyPr/>
           <a:lstStyle/>
+          <a:p>
+            <a:r>
+              <a:rPr lang="es-ES" dirty="0" err="1"/>
+              <a:t>Accuracy</a:t>
+            </a:r>
+            <a:r>
+              <a:rPr lang="es-ES" dirty="0"/>
+              <a:t> – </a:t>
+            </a:r>
+            <a:r>
+              <a:rPr lang="es-ES" dirty="0" err="1"/>
+              <a:t>oups</a:t>
+            </a:r>
+            <a:r>
+              <a:rPr lang="es-ES" dirty="0"/>
+              <a:t>! </a:t>
+            </a:r>
+            <a:r>
+              <a:rPr lang="es-ES" dirty="0" err="1"/>
+              <a:t>Extremely</a:t>
+            </a:r>
+            <a:r>
+              <a:rPr lang="es-ES" dirty="0"/>
+              <a:t> </a:t>
+            </a:r>
+            <a:r>
+              <a:rPr lang="es-ES" dirty="0" err="1"/>
+              <a:t>unbalanced</a:t>
+            </a:r>
+            <a:r>
+              <a:rPr lang="es-ES" dirty="0"/>
+              <a:t> </a:t>
+            </a:r>
+            <a:r>
+              <a:rPr lang="es-ES" dirty="0" err="1"/>
+              <a:t>dataset</a:t>
+            </a:r>
+            <a:r>
+              <a:rPr lang="es-ES" dirty="0"/>
+              <a:t>, </a:t>
+            </a:r>
+            <a:r>
+              <a:rPr lang="es-ES" dirty="0" err="1"/>
+              <a:t>thus</a:t>
+            </a:r>
+            <a:r>
+              <a:rPr lang="es-ES" dirty="0"/>
+              <a:t> </a:t>
+            </a:r>
+            <a:r>
+              <a:rPr lang="es-ES" dirty="0" err="1"/>
+              <a:t>not</a:t>
+            </a:r>
+            <a:r>
+              <a:rPr lang="es-ES" dirty="0"/>
+              <a:t> </a:t>
+            </a:r>
+            <a:r>
+              <a:rPr lang="es-ES" dirty="0" err="1"/>
+              <a:t>useful</a:t>
+            </a:r>
+            <a:r>
+              <a:rPr lang="es-ES" dirty="0"/>
+              <a:t> </a:t>
+            </a:r>
+            <a:r>
+              <a:rPr lang="es-ES" dirty="0" err="1"/>
+              <a:t>even</a:t>
+            </a:r>
+            <a:r>
+              <a:rPr lang="es-ES" dirty="0"/>
+              <a:t> 99% </a:t>
+            </a:r>
+            <a:r>
+              <a:rPr lang="es-ES" dirty="0" err="1"/>
+              <a:t>of</a:t>
+            </a:r>
+            <a:r>
+              <a:rPr lang="es-ES" dirty="0"/>
+              <a:t> </a:t>
+            </a:r>
+            <a:r>
+              <a:rPr lang="es-ES" dirty="0" err="1"/>
+              <a:t>accuracy</a:t>
+            </a:r>
+            <a:r>
+              <a:rPr lang="es-ES" dirty="0"/>
+              <a:t> </a:t>
+            </a:r>
+            <a:r>
+              <a:rPr lang="es-ES" dirty="0" err="1"/>
+              <a:t>means</a:t>
+            </a:r>
+            <a:r>
+              <a:rPr lang="es-ES" dirty="0"/>
+              <a:t> </a:t>
+            </a:r>
+            <a:r>
+              <a:rPr lang="es-ES" dirty="0" err="1"/>
+              <a:t>nothing</a:t>
+            </a:r>
+            <a:endParaRPr lang="es-ES" dirty="0"/>
+          </a:p>
+          <a:p>
+            <a:r>
+              <a:rPr lang="es-ES" dirty="0" err="1"/>
+              <a:t>mIoU</a:t>
+            </a:r>
+            <a:r>
+              <a:rPr lang="es-ES" dirty="0"/>
+              <a:t> – show in a Notebook</a:t>
+            </a:r>
+          </a:p>
+          <a:p>
+            <a:endParaRPr lang="es-ES" dirty="0"/>
+          </a:p>
           <a:p>
             <a:endParaRPr lang="es-ES" dirty="0"/>
           </a:p>
@@ -7929,6 +8907,372 @@
               <a:t>8</a:t>
             </a:fld>
             <a:endParaRPr lang="es-ES"/>
+          </a:p>
+        </p:txBody>
+      </p:sp>
+      <p:pic>
+        <p:nvPicPr>
+          <p:cNvPr id="7" name="Imagen 6">
+            <a:extLst>
+              <a:ext uri="{FF2B5EF4-FFF2-40B4-BE49-F238E27FC236}">
+                <a16:creationId xmlns:a16="http://schemas.microsoft.com/office/drawing/2014/main" id="{92665EF3-D05E-F2E6-82E9-1202BDBCAF22}"/>
+              </a:ext>
+            </a:extLst>
+          </p:cNvPr>
+          <p:cNvPicPr>
+            <a:picLocks noChangeAspect="1"/>
+          </p:cNvPicPr>
+          <p:nvPr/>
+        </p:nvPicPr>
+        <p:blipFill>
+          <a:blip r:embed="rId2"/>
+          <a:stretch>
+            <a:fillRect/>
+          </a:stretch>
+        </p:blipFill>
+        <p:spPr>
+          <a:xfrm>
+            <a:off x="404330" y="2533135"/>
+            <a:ext cx="3590925" cy="2305050"/>
+          </a:xfrm>
+          <a:prstGeom prst="rect">
+            <a:avLst/>
+          </a:prstGeom>
+        </p:spPr>
+      </p:pic>
+      <p:sp>
+        <p:nvSpPr>
+          <p:cNvPr id="8" name="Marcador de texto 3">
+            <a:extLst>
+              <a:ext uri="{FF2B5EF4-FFF2-40B4-BE49-F238E27FC236}">
+                <a16:creationId xmlns:a16="http://schemas.microsoft.com/office/drawing/2014/main" id="{105B51E8-D01F-A4E9-8917-B12B9DF1E7AA}"/>
+              </a:ext>
+            </a:extLst>
+          </p:cNvPr>
+          <p:cNvSpPr txBox="1">
+            <a:spLocks/>
+          </p:cNvSpPr>
+          <p:nvPr/>
+        </p:nvSpPr>
+        <p:spPr>
+          <a:xfrm>
+            <a:off x="4084746" y="2505553"/>
+            <a:ext cx="4817207" cy="2511494"/>
+          </a:xfrm>
+          <a:prstGeom prst="rect">
+            <a:avLst/>
+          </a:prstGeom>
+          <a:noFill/>
+          <a:ln>
+            <a:noFill/>
+          </a:ln>
+        </p:spPr>
+        <p:txBody>
+          <a:bodyPr spcFirstLastPara="1" wrap="square" lIns="91425" tIns="91425" rIns="91425" bIns="91425" anchor="t" anchorCtr="0">
+            <a:noAutofit/>
+          </a:bodyPr>
+          <a:lstStyle>
+            <a:defPPr marR="0" lvl="0" algn="l" rtl="0">
+              <a:lnSpc>
+                <a:spcPct val="100000"/>
+              </a:lnSpc>
+              <a:spcBef>
+                <a:spcPts val="0"/>
+              </a:spcBef>
+              <a:spcAft>
+                <a:spcPts val="0"/>
+              </a:spcAft>
+            </a:defPPr>
+            <a:lvl1pPr marL="457200" marR="0" lvl="0" indent="-342900" algn="l" rtl="0">
+              <a:lnSpc>
+                <a:spcPct val="100000"/>
+              </a:lnSpc>
+              <a:spcBef>
+                <a:spcPts val="600"/>
+              </a:spcBef>
+              <a:spcAft>
+                <a:spcPts val="0"/>
+              </a:spcAft>
+              <a:buClr>
+                <a:schemeClr val="lt1"/>
+              </a:buClr>
+              <a:buSzPts val="1800"/>
+              <a:buFont typeface="Cousine"/>
+              <a:buChar char="▪"/>
+              <a:defRPr sz="1800" b="0" i="0" u="none" strike="noStrike" cap="none">
+                <a:solidFill>
+                  <a:schemeClr val="lt1"/>
+                </a:solidFill>
+                <a:latin typeface="Cousine"/>
+                <a:ea typeface="Cousine"/>
+                <a:cs typeface="Cousine"/>
+                <a:sym typeface="Cousine"/>
+              </a:defRPr>
+            </a:lvl1pPr>
+            <a:lvl2pPr marL="914400" marR="0" lvl="1" indent="-342900" algn="l" rtl="0">
+              <a:lnSpc>
+                <a:spcPct val="100000"/>
+              </a:lnSpc>
+              <a:spcBef>
+                <a:spcPts val="0"/>
+              </a:spcBef>
+              <a:spcAft>
+                <a:spcPts val="0"/>
+              </a:spcAft>
+              <a:buClr>
+                <a:schemeClr val="lt1"/>
+              </a:buClr>
+              <a:buSzPts val="1800"/>
+              <a:buFont typeface="Cousine"/>
+              <a:buChar char="▫"/>
+              <a:defRPr sz="1800" b="0" i="0" u="none" strike="noStrike" cap="none">
+                <a:solidFill>
+                  <a:schemeClr val="lt1"/>
+                </a:solidFill>
+                <a:latin typeface="Cousine"/>
+                <a:ea typeface="Cousine"/>
+                <a:cs typeface="Cousine"/>
+                <a:sym typeface="Cousine"/>
+              </a:defRPr>
+            </a:lvl2pPr>
+            <a:lvl3pPr marL="1371600" marR="0" lvl="2" indent="-342900" algn="l" rtl="0">
+              <a:lnSpc>
+                <a:spcPct val="100000"/>
+              </a:lnSpc>
+              <a:spcBef>
+                <a:spcPts val="0"/>
+              </a:spcBef>
+              <a:spcAft>
+                <a:spcPts val="0"/>
+              </a:spcAft>
+              <a:buClr>
+                <a:schemeClr val="lt1"/>
+              </a:buClr>
+              <a:buSzPts val="1800"/>
+              <a:buFont typeface="Cousine"/>
+              <a:buChar char="■"/>
+              <a:defRPr sz="1800" b="0" i="0" u="none" strike="noStrike" cap="none">
+                <a:solidFill>
+                  <a:schemeClr val="lt1"/>
+                </a:solidFill>
+                <a:latin typeface="Cousine"/>
+                <a:ea typeface="Cousine"/>
+                <a:cs typeface="Cousine"/>
+                <a:sym typeface="Cousine"/>
+              </a:defRPr>
+            </a:lvl3pPr>
+            <a:lvl4pPr marL="1828800" marR="0" lvl="3" indent="-342900" algn="l" rtl="0">
+              <a:lnSpc>
+                <a:spcPct val="100000"/>
+              </a:lnSpc>
+              <a:spcBef>
+                <a:spcPts val="0"/>
+              </a:spcBef>
+              <a:spcAft>
+                <a:spcPts val="0"/>
+              </a:spcAft>
+              <a:buClr>
+                <a:schemeClr val="lt1"/>
+              </a:buClr>
+              <a:buSzPts val="1800"/>
+              <a:buFont typeface="Cousine"/>
+              <a:buChar char="●"/>
+              <a:defRPr sz="1800" b="0" i="0" u="none" strike="noStrike" cap="none">
+                <a:solidFill>
+                  <a:schemeClr val="lt1"/>
+                </a:solidFill>
+                <a:latin typeface="Cousine"/>
+                <a:ea typeface="Cousine"/>
+                <a:cs typeface="Cousine"/>
+                <a:sym typeface="Cousine"/>
+              </a:defRPr>
+            </a:lvl4pPr>
+            <a:lvl5pPr marL="2286000" marR="0" lvl="4" indent="-342900" algn="l" rtl="0">
+              <a:lnSpc>
+                <a:spcPct val="100000"/>
+              </a:lnSpc>
+              <a:spcBef>
+                <a:spcPts val="0"/>
+              </a:spcBef>
+              <a:spcAft>
+                <a:spcPts val="0"/>
+              </a:spcAft>
+              <a:buClr>
+                <a:schemeClr val="lt1"/>
+              </a:buClr>
+              <a:buSzPts val="1800"/>
+              <a:buFont typeface="Cousine"/>
+              <a:buChar char="○"/>
+              <a:defRPr sz="1800" b="0" i="0" u="none" strike="noStrike" cap="none">
+                <a:solidFill>
+                  <a:schemeClr val="lt1"/>
+                </a:solidFill>
+                <a:latin typeface="Cousine"/>
+                <a:ea typeface="Cousine"/>
+                <a:cs typeface="Cousine"/>
+                <a:sym typeface="Cousine"/>
+              </a:defRPr>
+            </a:lvl5pPr>
+            <a:lvl6pPr marL="2743200" marR="0" lvl="5" indent="-342900" algn="l" rtl="0">
+              <a:lnSpc>
+                <a:spcPct val="100000"/>
+              </a:lnSpc>
+              <a:spcBef>
+                <a:spcPts val="0"/>
+              </a:spcBef>
+              <a:spcAft>
+                <a:spcPts val="0"/>
+              </a:spcAft>
+              <a:buClr>
+                <a:schemeClr val="lt1"/>
+              </a:buClr>
+              <a:buSzPts val="1800"/>
+              <a:buFont typeface="Cousine"/>
+              <a:buChar char="■"/>
+              <a:defRPr sz="1800" b="0" i="0" u="none" strike="noStrike" cap="none">
+                <a:solidFill>
+                  <a:schemeClr val="lt1"/>
+                </a:solidFill>
+                <a:latin typeface="Cousine"/>
+                <a:ea typeface="Cousine"/>
+                <a:cs typeface="Cousine"/>
+                <a:sym typeface="Cousine"/>
+              </a:defRPr>
+            </a:lvl6pPr>
+            <a:lvl7pPr marL="3200400" marR="0" lvl="6" indent="-342900" algn="l" rtl="0">
+              <a:lnSpc>
+                <a:spcPct val="100000"/>
+              </a:lnSpc>
+              <a:spcBef>
+                <a:spcPts val="0"/>
+              </a:spcBef>
+              <a:spcAft>
+                <a:spcPts val="0"/>
+              </a:spcAft>
+              <a:buClr>
+                <a:schemeClr val="lt1"/>
+              </a:buClr>
+              <a:buSzPts val="1800"/>
+              <a:buFont typeface="Cousine"/>
+              <a:buChar char="●"/>
+              <a:defRPr sz="1800" b="0" i="0" u="none" strike="noStrike" cap="none">
+                <a:solidFill>
+                  <a:schemeClr val="lt1"/>
+                </a:solidFill>
+                <a:latin typeface="Cousine"/>
+                <a:ea typeface="Cousine"/>
+                <a:cs typeface="Cousine"/>
+                <a:sym typeface="Cousine"/>
+              </a:defRPr>
+            </a:lvl7pPr>
+            <a:lvl8pPr marL="3657600" marR="0" lvl="7" indent="-342900" algn="l" rtl="0">
+              <a:lnSpc>
+                <a:spcPct val="100000"/>
+              </a:lnSpc>
+              <a:spcBef>
+                <a:spcPts val="0"/>
+              </a:spcBef>
+              <a:spcAft>
+                <a:spcPts val="0"/>
+              </a:spcAft>
+              <a:buClr>
+                <a:schemeClr val="lt1"/>
+              </a:buClr>
+              <a:buSzPts val="1800"/>
+              <a:buFont typeface="Cousine"/>
+              <a:buChar char="○"/>
+              <a:defRPr sz="1800" b="0" i="0" u="none" strike="noStrike" cap="none">
+                <a:solidFill>
+                  <a:schemeClr val="lt1"/>
+                </a:solidFill>
+                <a:latin typeface="Cousine"/>
+                <a:ea typeface="Cousine"/>
+                <a:cs typeface="Cousine"/>
+                <a:sym typeface="Cousine"/>
+              </a:defRPr>
+            </a:lvl8pPr>
+            <a:lvl9pPr marL="4114800" marR="0" lvl="8" indent="-342900" algn="l" rtl="0">
+              <a:lnSpc>
+                <a:spcPct val="100000"/>
+              </a:lnSpc>
+              <a:spcBef>
+                <a:spcPts val="0"/>
+              </a:spcBef>
+              <a:spcAft>
+                <a:spcPts val="0"/>
+              </a:spcAft>
+              <a:buClr>
+                <a:schemeClr val="lt1"/>
+              </a:buClr>
+              <a:buSzPts val="1800"/>
+              <a:buFont typeface="Cousine"/>
+              <a:buChar char="■"/>
+              <a:defRPr sz="1800" b="0" i="0" u="none" strike="noStrike" cap="none">
+                <a:solidFill>
+                  <a:schemeClr val="lt1"/>
+                </a:solidFill>
+                <a:latin typeface="Cousine"/>
+                <a:ea typeface="Cousine"/>
+                <a:cs typeface="Cousine"/>
+                <a:sym typeface="Cousine"/>
+              </a:defRPr>
+            </a:lvl9pPr>
+          </a:lstStyle>
+          <a:p>
+            <a:r>
+              <a:rPr lang="es-ES" dirty="0" err="1"/>
+              <a:t>Binary</a:t>
+            </a:r>
+            <a:r>
+              <a:rPr lang="es-ES" dirty="0"/>
+              <a:t> problema </a:t>
+            </a:r>
+            <a:r>
+              <a:rPr lang="es-ES" dirty="0" err="1"/>
+              <a:t>with</a:t>
+            </a:r>
+            <a:r>
+              <a:rPr lang="es-ES" dirty="0"/>
+              <a:t> </a:t>
+            </a:r>
+            <a:r>
+              <a:rPr lang="es-ES" dirty="0" err="1"/>
+              <a:t>mIoU</a:t>
+            </a:r>
+            <a:r>
+              <a:rPr lang="es-ES" dirty="0"/>
+              <a:t> </a:t>
+            </a:r>
+            <a:r>
+              <a:rPr lang="es-ES" dirty="0" err="1"/>
+              <a:t>around</a:t>
+            </a:r>
+            <a:r>
+              <a:rPr lang="es-ES" dirty="0"/>
+              <a:t> 50%... </a:t>
+            </a:r>
+            <a:r>
+              <a:rPr lang="es-ES" dirty="0" err="1"/>
+              <a:t>Equals</a:t>
+            </a:r>
+            <a:r>
+              <a:rPr lang="es-ES" dirty="0"/>
+              <a:t> </a:t>
+            </a:r>
+            <a:r>
+              <a:rPr lang="es-ES" dirty="0" err="1"/>
+              <a:t>nothing</a:t>
+            </a:r>
+            <a:r>
+              <a:rPr lang="es-ES" dirty="0"/>
+              <a:t>.</a:t>
+            </a:r>
+          </a:p>
+          <a:p>
+            <a:endParaRPr lang="es-ES" dirty="0"/>
+          </a:p>
+          <a:p>
+            <a:endParaRPr lang="es-ES" dirty="0"/>
           </a:p>
         </p:txBody>
       </p:sp>
@@ -7972,341 +9316,6 @@
       </p:grpSpPr>
       <p:sp>
         <p:nvSpPr>
-          <p:cNvPr id="1090" name="Google Shape;1090;p48"/>
-          <p:cNvSpPr txBox="1"/>
-          <p:nvPr/>
-        </p:nvSpPr>
-        <p:spPr>
-          <a:xfrm>
-            <a:off x="876725" y="723800"/>
-            <a:ext cx="7887600" cy="1035600"/>
-          </a:xfrm>
-          <a:prstGeom prst="rect">
-            <a:avLst/>
-          </a:prstGeom>
-          <a:noFill/>
-          <a:ln>
-            <a:noFill/>
-          </a:ln>
-        </p:spPr>
-        <p:txBody>
-          <a:bodyPr spcFirstLastPara="1" wrap="square" lIns="91425" tIns="91425" rIns="91425" bIns="91425" anchor="t" anchorCtr="0">
-            <a:noAutofit/>
-          </a:bodyPr>
-          <a:lstStyle/>
-          <a:p>
-            <a:pPr marL="0" lvl="0" indent="0" algn="l" rtl="0">
-              <a:spcBef>
-                <a:spcPts val="0"/>
-              </a:spcBef>
-              <a:spcAft>
-                <a:spcPts val="0"/>
-              </a:spcAft>
-              <a:buClr>
-                <a:srgbClr val="000000"/>
-              </a:buClr>
-              <a:buSzPts val="1100"/>
-              <a:buFont typeface="Arial"/>
-              <a:buNone/>
-            </a:pPr>
-            <a:r>
-              <a:rPr lang="en" b="1">
-                <a:solidFill>
-                  <a:srgbClr val="FFFFFF"/>
-                </a:solidFill>
-                <a:latin typeface="Cousine"/>
-                <a:ea typeface="Cousine"/>
-                <a:cs typeface="Cousine"/>
-                <a:sym typeface="Cousine"/>
-              </a:rPr>
-              <a:t>Now you can use any emoji as an icon!</a:t>
-            </a:r>
-            <a:endParaRPr>
-              <a:solidFill>
-                <a:srgbClr val="FFFFFF"/>
-              </a:solidFill>
-              <a:latin typeface="Cousine"/>
-              <a:ea typeface="Cousine"/>
-              <a:cs typeface="Cousine"/>
-              <a:sym typeface="Cousine"/>
-            </a:endParaRPr>
-          </a:p>
-          <a:p>
-            <a:pPr marL="0" lvl="0" indent="0" algn="l" rtl="0">
-              <a:spcBef>
-                <a:spcPts val="0"/>
-              </a:spcBef>
-              <a:spcAft>
-                <a:spcPts val="0"/>
-              </a:spcAft>
-              <a:buClr>
-                <a:srgbClr val="000000"/>
-              </a:buClr>
-              <a:buSzPts val="1100"/>
-              <a:buFont typeface="Arial"/>
-              <a:buNone/>
-            </a:pPr>
-            <a:r>
-              <a:rPr lang="en">
-                <a:solidFill>
-                  <a:srgbClr val="FFFFFF"/>
-                </a:solidFill>
-                <a:latin typeface="Cousine"/>
-                <a:ea typeface="Cousine"/>
-                <a:cs typeface="Cousine"/>
-                <a:sym typeface="Cousine"/>
-              </a:rPr>
-              <a:t>And of course it resizes without losing quality and you can change the color.</a:t>
-            </a:r>
-            <a:endParaRPr>
-              <a:solidFill>
-                <a:srgbClr val="FFFFFF"/>
-              </a:solidFill>
-              <a:latin typeface="Cousine"/>
-              <a:ea typeface="Cousine"/>
-              <a:cs typeface="Cousine"/>
-              <a:sym typeface="Cousine"/>
-            </a:endParaRPr>
-          </a:p>
-          <a:p>
-            <a:pPr marL="0" lvl="0" indent="0" algn="l" rtl="0">
-              <a:spcBef>
-                <a:spcPts val="0"/>
-              </a:spcBef>
-              <a:spcAft>
-                <a:spcPts val="0"/>
-              </a:spcAft>
-              <a:buNone/>
-            </a:pPr>
-            <a:endParaRPr>
-              <a:solidFill>
-                <a:srgbClr val="FFFFFF"/>
-              </a:solidFill>
-              <a:latin typeface="Cousine"/>
-              <a:ea typeface="Cousine"/>
-              <a:cs typeface="Cousine"/>
-              <a:sym typeface="Cousine"/>
-            </a:endParaRPr>
-          </a:p>
-          <a:p>
-            <a:pPr marL="0" lvl="0" indent="0" algn="l" rtl="0">
-              <a:spcBef>
-                <a:spcPts val="0"/>
-              </a:spcBef>
-              <a:spcAft>
-                <a:spcPts val="0"/>
-              </a:spcAft>
-              <a:buNone/>
-            </a:pPr>
-            <a:r>
-              <a:rPr lang="en">
-                <a:solidFill>
-                  <a:srgbClr val="FFFFFF"/>
-                </a:solidFill>
-                <a:latin typeface="Cousine"/>
-                <a:ea typeface="Cousine"/>
-                <a:cs typeface="Cousine"/>
-                <a:sym typeface="Cousine"/>
-              </a:rPr>
-              <a:t>How? Follow Google instructions </a:t>
-            </a:r>
-            <a:r>
-              <a:rPr lang="en" u="sng">
-                <a:solidFill>
-                  <a:srgbClr val="FFFFFF"/>
-                </a:solidFill>
-                <a:latin typeface="Cousine"/>
-                <a:ea typeface="Cousine"/>
-                <a:cs typeface="Cousine"/>
-                <a:sym typeface="Cousine"/>
-                <a:hlinkClick r:id="rId3">
-                  <a:extLst>
-                    <a:ext uri="{A12FA001-AC4F-418D-AE19-62706E023703}">
-                      <ahyp:hlinkClr xmlns:ahyp="http://schemas.microsoft.com/office/drawing/2018/hyperlinkcolor" val="tx"/>
-                    </a:ext>
-                  </a:extLst>
-                </a:hlinkClick>
-              </a:rPr>
-              <a:t>https://twitter.com/googledocs/status/730087240156643328</a:t>
-            </a:r>
-            <a:endParaRPr>
-              <a:solidFill>
-                <a:srgbClr val="FFFFFF"/>
-              </a:solidFill>
-              <a:latin typeface="Cousine"/>
-              <a:ea typeface="Cousine"/>
-              <a:cs typeface="Cousine"/>
-              <a:sym typeface="Cousine"/>
-            </a:endParaRPr>
-          </a:p>
-          <a:p>
-            <a:pPr marL="0" lvl="0" indent="0" algn="l" rtl="0">
-              <a:spcBef>
-                <a:spcPts val="0"/>
-              </a:spcBef>
-              <a:spcAft>
-                <a:spcPts val="0"/>
-              </a:spcAft>
-              <a:buNone/>
-            </a:pPr>
-            <a:endParaRPr>
-              <a:solidFill>
-                <a:srgbClr val="FFFFFF"/>
-              </a:solidFill>
-              <a:latin typeface="Cousine"/>
-              <a:ea typeface="Cousine"/>
-              <a:cs typeface="Cousine"/>
-              <a:sym typeface="Cousine"/>
-            </a:endParaRPr>
-          </a:p>
-          <a:p>
-            <a:pPr marL="0" lvl="0" indent="0" algn="l" rtl="0">
-              <a:spcBef>
-                <a:spcPts val="0"/>
-              </a:spcBef>
-              <a:spcAft>
-                <a:spcPts val="0"/>
-              </a:spcAft>
-              <a:buNone/>
-            </a:pPr>
-            <a:endParaRPr>
-              <a:solidFill>
-                <a:srgbClr val="FFFFFF"/>
-              </a:solidFill>
-              <a:latin typeface="Cousine"/>
-              <a:ea typeface="Cousine"/>
-              <a:cs typeface="Cousine"/>
-              <a:sym typeface="Cousine"/>
-            </a:endParaRPr>
-          </a:p>
-          <a:p>
-            <a:pPr marL="0" lvl="0" indent="0" algn="l" rtl="0">
-              <a:spcBef>
-                <a:spcPts val="0"/>
-              </a:spcBef>
-              <a:spcAft>
-                <a:spcPts val="0"/>
-              </a:spcAft>
-              <a:buClr>
-                <a:srgbClr val="000000"/>
-              </a:buClr>
-              <a:buSzPts val="1100"/>
-              <a:buFont typeface="Arial"/>
-              <a:buNone/>
-            </a:pPr>
-            <a:endParaRPr>
-              <a:solidFill>
-                <a:srgbClr val="FFFFFF"/>
-              </a:solidFill>
-              <a:latin typeface="Cousine"/>
-              <a:ea typeface="Cousine"/>
-              <a:cs typeface="Cousine"/>
-              <a:sym typeface="Cousine"/>
-            </a:endParaRPr>
-          </a:p>
-          <a:p>
-            <a:pPr marL="0" lvl="0" indent="0" algn="l" rtl="0">
-              <a:spcBef>
-                <a:spcPts val="0"/>
-              </a:spcBef>
-              <a:spcAft>
-                <a:spcPts val="0"/>
-              </a:spcAft>
-              <a:buNone/>
-            </a:pPr>
-            <a:endParaRPr>
-              <a:solidFill>
-                <a:srgbClr val="FFFFFF"/>
-              </a:solidFill>
-              <a:latin typeface="Cousine"/>
-              <a:ea typeface="Cousine"/>
-              <a:cs typeface="Cousine"/>
-              <a:sym typeface="Cousine"/>
-            </a:endParaRPr>
-          </a:p>
-        </p:txBody>
-      </p:sp>
-      <p:sp>
-        <p:nvSpPr>
-          <p:cNvPr id="1091" name="Google Shape;1091;p48"/>
-          <p:cNvSpPr txBox="1"/>
-          <p:nvPr/>
-        </p:nvSpPr>
-        <p:spPr>
-          <a:xfrm>
-            <a:off x="731900" y="2352188"/>
-            <a:ext cx="7327500" cy="1928100"/>
-          </a:xfrm>
-          <a:prstGeom prst="rect">
-            <a:avLst/>
-          </a:prstGeom>
-          <a:noFill/>
-          <a:ln>
-            <a:noFill/>
-          </a:ln>
-        </p:spPr>
-        <p:txBody>
-          <a:bodyPr spcFirstLastPara="1" wrap="square" lIns="91425" tIns="91425" rIns="91425" bIns="91425" anchor="t" anchorCtr="0">
-            <a:noAutofit/>
-          </a:bodyPr>
-          <a:lstStyle/>
-          <a:p>
-            <a:pPr marL="0" lvl="0" indent="0" algn="l" rtl="0">
-              <a:lnSpc>
-                <a:spcPct val="115000"/>
-              </a:lnSpc>
-              <a:spcBef>
-                <a:spcPts val="0"/>
-              </a:spcBef>
-              <a:spcAft>
-                <a:spcPts val="0"/>
-              </a:spcAft>
-              <a:buNone/>
-            </a:pPr>
-            <a:r>
-              <a:rPr lang="en" sz="3600">
-                <a:solidFill>
-                  <a:srgbClr val="FFFFFF"/>
-                </a:solidFill>
-                <a:latin typeface="Cousine"/>
-                <a:ea typeface="Cousine"/>
-                <a:cs typeface="Cousine"/>
-                <a:sym typeface="Cousine"/>
-              </a:rPr>
-              <a:t>✋👆👉👍👤👦👧👨👩👪💃🏃💑❤😂😉😋😒😭👶😸🐟🍒🍔💣📌📖🔨🎃🎈🎨🏈🏰🌏🔌🔑</a:t>
-            </a:r>
-            <a:r>
-              <a:rPr lang="en" sz="2400">
-                <a:solidFill>
-                  <a:srgbClr val="FFFFFF"/>
-                </a:solidFill>
-                <a:highlight>
-                  <a:srgbClr val="0B5394"/>
-                </a:highlight>
-                <a:latin typeface="Cousine"/>
-                <a:ea typeface="Cousine"/>
-                <a:cs typeface="Cousine"/>
-                <a:sym typeface="Cousine"/>
-              </a:rPr>
-              <a:t> and many more...</a:t>
-            </a:r>
-            <a:endParaRPr sz="2400">
-              <a:solidFill>
-                <a:srgbClr val="FFFFFF"/>
-              </a:solidFill>
-              <a:highlight>
-                <a:srgbClr val="0B5394"/>
-              </a:highlight>
-              <a:latin typeface="Cousine"/>
-              <a:ea typeface="Cousine"/>
-              <a:cs typeface="Cousine"/>
-              <a:sym typeface="Cousine"/>
-            </a:endParaRPr>
-          </a:p>
-        </p:txBody>
-      </p:sp>
-      <p:sp>
-        <p:nvSpPr>
           <p:cNvPr id="1092" name="Google Shape;1092;p48"/>
           <p:cNvSpPr txBox="1">
             <a:spLocks noGrp="1"/>
@@ -8344,6 +9353,514 @@
               <a:t>9</a:t>
             </a:fld>
             <a:endParaRPr/>
+          </a:p>
+        </p:txBody>
+      </p:sp>
+      <p:sp>
+        <p:nvSpPr>
+          <p:cNvPr id="2" name="Marcador de texto 3">
+            <a:extLst>
+              <a:ext uri="{FF2B5EF4-FFF2-40B4-BE49-F238E27FC236}">
+                <a16:creationId xmlns:a16="http://schemas.microsoft.com/office/drawing/2014/main" id="{1E37FD13-4C91-CDB3-545B-077C18177749}"/>
+              </a:ext>
+            </a:extLst>
+          </p:cNvPr>
+          <p:cNvSpPr txBox="1">
+            <a:spLocks/>
+          </p:cNvSpPr>
+          <p:nvPr/>
+        </p:nvSpPr>
+        <p:spPr>
+          <a:xfrm>
+            <a:off x="255494" y="527109"/>
+            <a:ext cx="8483834" cy="1510121"/>
+          </a:xfrm>
+          <a:prstGeom prst="rect">
+            <a:avLst/>
+          </a:prstGeom>
+        </p:spPr>
+        <p:txBody>
+          <a:bodyPr/>
+          <a:lstStyle>
+            <a:defPPr marR="0" lvl="0" algn="l" rtl="0">
+              <a:lnSpc>
+                <a:spcPct val="100000"/>
+              </a:lnSpc>
+              <a:spcBef>
+                <a:spcPts val="0"/>
+              </a:spcBef>
+              <a:spcAft>
+                <a:spcPts val="0"/>
+              </a:spcAft>
+            </a:defPPr>
+            <a:lvl1pPr marR="0" lvl="0" algn="l" rtl="0">
+              <a:lnSpc>
+                <a:spcPct val="100000"/>
+              </a:lnSpc>
+              <a:spcBef>
+                <a:spcPts val="0"/>
+              </a:spcBef>
+              <a:spcAft>
+                <a:spcPts val="0"/>
+              </a:spcAft>
+              <a:buClr>
+                <a:srgbClr val="000000"/>
+              </a:buClr>
+              <a:buFont typeface="Arial"/>
+              <a:defRPr sz="1400" b="0" i="0" u="none" strike="noStrike" cap="none">
+                <a:solidFill>
+                  <a:srgbClr val="000000"/>
+                </a:solidFill>
+                <a:latin typeface="Arial"/>
+                <a:ea typeface="Arial"/>
+                <a:cs typeface="Arial"/>
+                <a:sym typeface="Arial"/>
+              </a:defRPr>
+            </a:lvl1pPr>
+            <a:lvl2pPr marR="0" lvl="1" algn="l" rtl="0">
+              <a:lnSpc>
+                <a:spcPct val="100000"/>
+              </a:lnSpc>
+              <a:spcBef>
+                <a:spcPts val="0"/>
+              </a:spcBef>
+              <a:spcAft>
+                <a:spcPts val="0"/>
+              </a:spcAft>
+              <a:buClr>
+                <a:srgbClr val="000000"/>
+              </a:buClr>
+              <a:buFont typeface="Arial"/>
+              <a:defRPr sz="1400" b="0" i="0" u="none" strike="noStrike" cap="none">
+                <a:solidFill>
+                  <a:srgbClr val="000000"/>
+                </a:solidFill>
+                <a:latin typeface="Arial"/>
+                <a:ea typeface="Arial"/>
+                <a:cs typeface="Arial"/>
+                <a:sym typeface="Arial"/>
+              </a:defRPr>
+            </a:lvl2pPr>
+            <a:lvl3pPr marR="0" lvl="2" algn="l" rtl="0">
+              <a:lnSpc>
+                <a:spcPct val="100000"/>
+              </a:lnSpc>
+              <a:spcBef>
+                <a:spcPts val="0"/>
+              </a:spcBef>
+              <a:spcAft>
+                <a:spcPts val="0"/>
+              </a:spcAft>
+              <a:buClr>
+                <a:srgbClr val="000000"/>
+              </a:buClr>
+              <a:buFont typeface="Arial"/>
+              <a:defRPr sz="1400" b="0" i="0" u="none" strike="noStrike" cap="none">
+                <a:solidFill>
+                  <a:srgbClr val="000000"/>
+                </a:solidFill>
+                <a:latin typeface="Arial"/>
+                <a:ea typeface="Arial"/>
+                <a:cs typeface="Arial"/>
+                <a:sym typeface="Arial"/>
+              </a:defRPr>
+            </a:lvl3pPr>
+            <a:lvl4pPr marR="0" lvl="3" algn="l" rtl="0">
+              <a:lnSpc>
+                <a:spcPct val="100000"/>
+              </a:lnSpc>
+              <a:spcBef>
+                <a:spcPts val="0"/>
+              </a:spcBef>
+              <a:spcAft>
+                <a:spcPts val="0"/>
+              </a:spcAft>
+              <a:buClr>
+                <a:srgbClr val="000000"/>
+              </a:buClr>
+              <a:buFont typeface="Arial"/>
+              <a:defRPr sz="1400" b="0" i="0" u="none" strike="noStrike" cap="none">
+                <a:solidFill>
+                  <a:srgbClr val="000000"/>
+                </a:solidFill>
+                <a:latin typeface="Arial"/>
+                <a:ea typeface="Arial"/>
+                <a:cs typeface="Arial"/>
+                <a:sym typeface="Arial"/>
+              </a:defRPr>
+            </a:lvl4pPr>
+            <a:lvl5pPr marR="0" lvl="4" algn="l" rtl="0">
+              <a:lnSpc>
+                <a:spcPct val="100000"/>
+              </a:lnSpc>
+              <a:spcBef>
+                <a:spcPts val="0"/>
+              </a:spcBef>
+              <a:spcAft>
+                <a:spcPts val="0"/>
+              </a:spcAft>
+              <a:buClr>
+                <a:srgbClr val="000000"/>
+              </a:buClr>
+              <a:buFont typeface="Arial"/>
+              <a:defRPr sz="1400" b="0" i="0" u="none" strike="noStrike" cap="none">
+                <a:solidFill>
+                  <a:srgbClr val="000000"/>
+                </a:solidFill>
+                <a:latin typeface="Arial"/>
+                <a:ea typeface="Arial"/>
+                <a:cs typeface="Arial"/>
+                <a:sym typeface="Arial"/>
+              </a:defRPr>
+            </a:lvl5pPr>
+            <a:lvl6pPr marR="0" lvl="5" algn="l" rtl="0">
+              <a:lnSpc>
+                <a:spcPct val="100000"/>
+              </a:lnSpc>
+              <a:spcBef>
+                <a:spcPts val="0"/>
+              </a:spcBef>
+              <a:spcAft>
+                <a:spcPts val="0"/>
+              </a:spcAft>
+              <a:buClr>
+                <a:srgbClr val="000000"/>
+              </a:buClr>
+              <a:buFont typeface="Arial"/>
+              <a:defRPr sz="1400" b="0" i="0" u="none" strike="noStrike" cap="none">
+                <a:solidFill>
+                  <a:srgbClr val="000000"/>
+                </a:solidFill>
+                <a:latin typeface="Arial"/>
+                <a:ea typeface="Arial"/>
+                <a:cs typeface="Arial"/>
+                <a:sym typeface="Arial"/>
+              </a:defRPr>
+            </a:lvl6pPr>
+            <a:lvl7pPr marR="0" lvl="6" algn="l" rtl="0">
+              <a:lnSpc>
+                <a:spcPct val="100000"/>
+              </a:lnSpc>
+              <a:spcBef>
+                <a:spcPts val="0"/>
+              </a:spcBef>
+              <a:spcAft>
+                <a:spcPts val="0"/>
+              </a:spcAft>
+              <a:buClr>
+                <a:srgbClr val="000000"/>
+              </a:buClr>
+              <a:buFont typeface="Arial"/>
+              <a:defRPr sz="1400" b="0" i="0" u="none" strike="noStrike" cap="none">
+                <a:solidFill>
+                  <a:srgbClr val="000000"/>
+                </a:solidFill>
+                <a:latin typeface="Arial"/>
+                <a:ea typeface="Arial"/>
+                <a:cs typeface="Arial"/>
+                <a:sym typeface="Arial"/>
+              </a:defRPr>
+            </a:lvl7pPr>
+            <a:lvl8pPr marR="0" lvl="7" algn="l" rtl="0">
+              <a:lnSpc>
+                <a:spcPct val="100000"/>
+              </a:lnSpc>
+              <a:spcBef>
+                <a:spcPts val="0"/>
+              </a:spcBef>
+              <a:spcAft>
+                <a:spcPts val="0"/>
+              </a:spcAft>
+              <a:buClr>
+                <a:srgbClr val="000000"/>
+              </a:buClr>
+              <a:buFont typeface="Arial"/>
+              <a:defRPr sz="1400" b="0" i="0" u="none" strike="noStrike" cap="none">
+                <a:solidFill>
+                  <a:srgbClr val="000000"/>
+                </a:solidFill>
+                <a:latin typeface="Arial"/>
+                <a:ea typeface="Arial"/>
+                <a:cs typeface="Arial"/>
+                <a:sym typeface="Arial"/>
+              </a:defRPr>
+            </a:lvl8pPr>
+            <a:lvl9pPr marR="0" lvl="8" algn="l" rtl="0">
+              <a:lnSpc>
+                <a:spcPct val="100000"/>
+              </a:lnSpc>
+              <a:spcBef>
+                <a:spcPts val="0"/>
+              </a:spcBef>
+              <a:spcAft>
+                <a:spcPts val="0"/>
+              </a:spcAft>
+              <a:buClr>
+                <a:srgbClr val="000000"/>
+              </a:buClr>
+              <a:buFont typeface="Arial"/>
+              <a:defRPr sz="1400" b="0" i="0" u="none" strike="noStrike" cap="none">
+                <a:solidFill>
+                  <a:srgbClr val="000000"/>
+                </a:solidFill>
+                <a:latin typeface="Arial"/>
+                <a:ea typeface="Arial"/>
+                <a:cs typeface="Arial"/>
+                <a:sym typeface="Arial"/>
+              </a:defRPr>
+            </a:lvl9pPr>
+          </a:lstStyle>
+          <a:p>
+            <a:pPr algn="ctr"/>
+            <a:r>
+              <a:rPr lang="es-ES" sz="2800" b="1" dirty="0" err="1">
+                <a:solidFill>
+                  <a:schemeClr val="bg1"/>
+                </a:solidFill>
+              </a:rPr>
+              <a:t>Thank</a:t>
+            </a:r>
+            <a:r>
+              <a:rPr lang="es-ES" sz="2800" b="1" dirty="0">
+                <a:solidFill>
+                  <a:schemeClr val="bg1"/>
+                </a:solidFill>
+              </a:rPr>
+              <a:t> </a:t>
+            </a:r>
+            <a:r>
+              <a:rPr lang="es-ES" sz="2800" b="1" dirty="0" err="1">
+                <a:solidFill>
+                  <a:schemeClr val="bg1"/>
+                </a:solidFill>
+              </a:rPr>
+              <a:t>you</a:t>
+            </a:r>
+            <a:r>
+              <a:rPr lang="es-ES" sz="2800" b="1" dirty="0">
+                <a:solidFill>
+                  <a:schemeClr val="bg1"/>
+                </a:solidFill>
+              </a:rPr>
+              <a:t> </a:t>
+            </a:r>
+            <a:r>
+              <a:rPr lang="es-ES" sz="2800" b="1" dirty="0" err="1">
+                <a:solidFill>
+                  <a:schemeClr val="bg1"/>
+                </a:solidFill>
+              </a:rPr>
+              <a:t>very</a:t>
+            </a:r>
+            <a:r>
+              <a:rPr lang="es-ES" sz="2800" b="1" dirty="0">
+                <a:solidFill>
+                  <a:schemeClr val="bg1"/>
+                </a:solidFill>
+              </a:rPr>
+              <a:t> </a:t>
+            </a:r>
+            <a:r>
+              <a:rPr lang="es-ES" sz="2800" b="1" dirty="0" err="1">
+                <a:solidFill>
+                  <a:schemeClr val="bg1"/>
+                </a:solidFill>
+              </a:rPr>
+              <a:t>much</a:t>
+            </a:r>
+            <a:r>
+              <a:rPr lang="es-ES" sz="2800" b="1" dirty="0">
+                <a:solidFill>
+                  <a:schemeClr val="bg1"/>
+                </a:solidFill>
+              </a:rPr>
+              <a:t> </a:t>
+            </a:r>
+            <a:r>
+              <a:rPr lang="es-ES" sz="2800" b="1" dirty="0" err="1">
+                <a:solidFill>
+                  <a:schemeClr val="bg1"/>
+                </a:solidFill>
+              </a:rPr>
+              <a:t>for</a:t>
+            </a:r>
+            <a:r>
+              <a:rPr lang="es-ES" sz="2800" b="1" dirty="0">
+                <a:solidFill>
+                  <a:schemeClr val="bg1"/>
+                </a:solidFill>
+              </a:rPr>
+              <a:t> </a:t>
+            </a:r>
+            <a:r>
+              <a:rPr lang="es-ES" sz="2800" b="1" dirty="0" err="1">
+                <a:solidFill>
+                  <a:schemeClr val="bg1"/>
+                </a:solidFill>
+              </a:rPr>
+              <a:t>the</a:t>
+            </a:r>
+            <a:r>
+              <a:rPr lang="es-ES" sz="2800" b="1" dirty="0">
+                <a:solidFill>
+                  <a:schemeClr val="bg1"/>
+                </a:solidFill>
+              </a:rPr>
+              <a:t> </a:t>
+            </a:r>
+            <a:r>
+              <a:rPr lang="es-ES" sz="2800" b="1" dirty="0" err="1">
+                <a:solidFill>
+                  <a:schemeClr val="bg1"/>
+                </a:solidFill>
+              </a:rPr>
+              <a:t>opportunity</a:t>
+            </a:r>
+            <a:r>
+              <a:rPr lang="es-ES" sz="2800" b="1" dirty="0">
+                <a:solidFill>
+                  <a:schemeClr val="bg1"/>
+                </a:solidFill>
+              </a:rPr>
+              <a:t>!!</a:t>
+            </a:r>
+          </a:p>
+          <a:p>
+            <a:pPr algn="ctr"/>
+            <a:r>
+              <a:rPr lang="es-ES" sz="2800" b="1" dirty="0" err="1">
+                <a:solidFill>
+                  <a:schemeClr val="bg1"/>
+                </a:solidFill>
+              </a:rPr>
+              <a:t>It</a:t>
+            </a:r>
+            <a:r>
+              <a:rPr lang="es-ES" sz="2800" b="1" dirty="0">
+                <a:solidFill>
+                  <a:schemeClr val="bg1"/>
+                </a:solidFill>
+              </a:rPr>
+              <a:t> </a:t>
+            </a:r>
+            <a:r>
+              <a:rPr lang="es-ES" sz="2800" b="1" dirty="0" err="1">
+                <a:solidFill>
+                  <a:schemeClr val="bg1"/>
+                </a:solidFill>
+              </a:rPr>
+              <a:t>was</a:t>
+            </a:r>
+            <a:r>
+              <a:rPr lang="es-ES" sz="2800" b="1" dirty="0">
+                <a:solidFill>
+                  <a:schemeClr val="bg1"/>
+                </a:solidFill>
+              </a:rPr>
+              <a:t> </a:t>
+            </a:r>
+            <a:r>
+              <a:rPr lang="es-ES" sz="2800" b="1" dirty="0" err="1">
+                <a:solidFill>
+                  <a:schemeClr val="bg1"/>
+                </a:solidFill>
+              </a:rPr>
+              <a:t>great</a:t>
+            </a:r>
+            <a:r>
+              <a:rPr lang="es-ES" sz="2800" b="1" dirty="0">
+                <a:solidFill>
+                  <a:schemeClr val="bg1"/>
+                </a:solidFill>
+              </a:rPr>
+              <a:t> </a:t>
+            </a:r>
+            <a:r>
+              <a:rPr lang="es-ES" sz="2800" b="1" dirty="0" err="1">
+                <a:solidFill>
+                  <a:schemeClr val="bg1"/>
+                </a:solidFill>
+              </a:rPr>
+              <a:t>playing</a:t>
+            </a:r>
+            <a:r>
+              <a:rPr lang="es-ES" sz="2800" b="1" dirty="0">
+                <a:solidFill>
+                  <a:schemeClr val="bg1"/>
+                </a:solidFill>
+              </a:rPr>
+              <a:t> </a:t>
+            </a:r>
+            <a:r>
+              <a:rPr lang="es-ES" sz="2800" b="1" dirty="0" err="1">
+                <a:solidFill>
+                  <a:schemeClr val="bg1"/>
+                </a:solidFill>
+              </a:rPr>
+              <a:t>with</a:t>
+            </a:r>
+            <a:r>
+              <a:rPr lang="es-ES" sz="2800" b="1" dirty="0">
+                <a:solidFill>
+                  <a:schemeClr val="bg1"/>
+                </a:solidFill>
+              </a:rPr>
+              <a:t> CV,  </a:t>
+            </a:r>
+            <a:r>
+              <a:rPr lang="es-ES" sz="2800" b="1" dirty="0" err="1">
+                <a:solidFill>
+                  <a:schemeClr val="bg1"/>
+                </a:solidFill>
+              </a:rPr>
+              <a:t>although</a:t>
+            </a:r>
+            <a:r>
+              <a:rPr lang="es-ES" sz="2800" b="1" dirty="0">
+                <a:solidFill>
+                  <a:schemeClr val="bg1"/>
+                </a:solidFill>
+              </a:rPr>
+              <a:t> </a:t>
+            </a:r>
+            <a:r>
+              <a:rPr lang="es-ES" sz="2800" b="1" dirty="0" err="1">
+                <a:solidFill>
+                  <a:schemeClr val="bg1"/>
+                </a:solidFill>
+              </a:rPr>
+              <a:t>my</a:t>
+            </a:r>
+            <a:r>
+              <a:rPr lang="es-ES" sz="2800" b="1" dirty="0">
+                <a:solidFill>
+                  <a:schemeClr val="bg1"/>
+                </a:solidFill>
+              </a:rPr>
+              <a:t> </a:t>
+            </a:r>
+            <a:r>
+              <a:rPr lang="es-ES" sz="2800" b="1" dirty="0" err="1">
+                <a:solidFill>
+                  <a:schemeClr val="bg1"/>
+                </a:solidFill>
+              </a:rPr>
+              <a:t>results</a:t>
+            </a:r>
+            <a:r>
+              <a:rPr lang="es-ES" sz="2800" b="1" dirty="0">
+                <a:solidFill>
+                  <a:schemeClr val="bg1"/>
+                </a:solidFill>
+              </a:rPr>
+              <a:t> are terrible.</a:t>
+            </a:r>
+          </a:p>
+          <a:p>
+            <a:endParaRPr lang="es-ES" sz="2800" b="1" dirty="0"/>
+          </a:p>
+          <a:p>
+            <a:endParaRPr lang="es-ES" dirty="0"/>
           </a:p>
         </p:txBody>
       </p:sp>
